--- a/slides/slide.pptx
+++ b/slides/slide.pptx
@@ -414,7 +414,7 @@
               <a:rPr lang="en-US" smtClean="0">
                 <a:latin typeface="Segoe UI" pitchFamily="34" charset="0"/>
               </a:rPr>
-              <a:t>8/16/2021 2:23 AM</a:t>
+              <a:t>8/16/2021 7:50 PM</a:t>
             </a:fld>
             <a:endParaRPr lang="en-US" dirty="0">
               <a:latin typeface="Segoe UI" pitchFamily="34" charset="0"/>
@@ -692,7 +692,7 @@
           <a:p>
             <a:fld id="{386CE63F-9E7F-4C04-9D0D-FCA25A8E9E86}" type="datetime8">
               <a:rPr lang="en-US" smtClean="0"/>
-              <a:t>8/16/2021 2:22 AM</a:t>
+              <a:t>8/16/2021 7:42 PM</a:t>
             </a:fld>
             <a:endParaRPr lang="en-US" dirty="0"/>
           </a:p>
@@ -1059,7 +1059,7 @@
           <a:p>
             <a:fld id="{62072DC8-D49D-432C-9D46-A7718B5F5490}" type="datetime8">
               <a:rPr lang="en-US" smtClean="0"/>
-              <a:t>8/16/2021 2:22 AM</a:t>
+              <a:t>8/16/2021 7:42 PM</a:t>
             </a:fld>
             <a:endParaRPr lang="en-US" dirty="0"/>
           </a:p>
@@ -1224,7 +1224,7 @@
           <a:p>
             <a:fld id="{2D0AF0B6-AF0D-4EDB-B60E-27694EB68262}" type="datetime8">
               <a:rPr lang="en-US" smtClean="0"/>
-              <a:t>8/16/2021 2:22 AM</a:t>
+              <a:t>8/16/2021 7:42 PM</a:t>
             </a:fld>
             <a:endParaRPr lang="en-US" dirty="0"/>
           </a:p>
@@ -1392,7 +1392,7 @@
           <a:p>
             <a:fld id="{2D0AF0B6-AF0D-4EDB-B60E-27694EB68262}" type="datetime8">
               <a:rPr lang="en-US" smtClean="0"/>
-              <a:t>8/16/2021 2:22 AM</a:t>
+              <a:t>8/16/2021 7:42 PM</a:t>
             </a:fld>
             <a:endParaRPr lang="en-US" dirty="0"/>
           </a:p>
@@ -1560,7 +1560,7 @@
           <a:p>
             <a:fld id="{2D0AF0B6-AF0D-4EDB-B60E-27694EB68262}" type="datetime8">
               <a:rPr lang="en-US" smtClean="0"/>
-              <a:t>8/16/2021 2:22 AM</a:t>
+              <a:t>8/16/2021 7:42 PM</a:t>
             </a:fld>
             <a:endParaRPr lang="en-US" dirty="0"/>
           </a:p>
@@ -1728,7 +1728,7 @@
           <a:p>
             <a:fld id="{2D0AF0B6-AF0D-4EDB-B60E-27694EB68262}" type="datetime8">
               <a:rPr lang="en-US" smtClean="0"/>
-              <a:t>8/16/2021 2:22 AM</a:t>
+              <a:t>8/16/2021 7:42 PM</a:t>
             </a:fld>
             <a:endParaRPr lang="en-US" dirty="0"/>
           </a:p>
@@ -1903,7 +1903,7 @@
           <a:p>
             <a:fld id="{2D0AF0B6-AF0D-4EDB-B60E-27694EB68262}" type="datetime8">
               <a:rPr lang="en-US" smtClean="0"/>
-              <a:t>8/16/2021 2:22 AM</a:t>
+              <a:t>8/16/2021 7:42 PM</a:t>
             </a:fld>
             <a:endParaRPr lang="en-US" dirty="0"/>
           </a:p>
@@ -2068,7 +2068,7 @@
           <a:p>
             <a:fld id="{B16574EE-8191-4BCC-ABE6-D00A4F4D7690}" type="datetime8">
               <a:rPr lang="en-US" smtClean="0"/>
-              <a:t>8/16/2021 2:22 AM</a:t>
+              <a:t>8/16/2021 7:42 PM</a:t>
             </a:fld>
             <a:endParaRPr lang="en-US" dirty="0"/>
           </a:p>
@@ -2202,7 +2202,7 @@
           <a:p>
             <a:fld id="{06C18626-F474-479E-937A-543AA55347B1}" type="datetime8">
               <a:rPr lang="en-US" smtClean="0"/>
-              <a:t>8/16/2021 2:22 AM</a:t>
+              <a:t>8/16/2021 7:42 PM</a:t>
             </a:fld>
             <a:endParaRPr lang="en-US" dirty="0"/>
           </a:p>
@@ -2401,7 +2401,7 @@
           <a:p>
             <a:fld id="{06C18626-F474-479E-937A-543AA55347B1}" type="datetime8">
               <a:rPr lang="en-US" smtClean="0"/>
-              <a:t>8/16/2021 2:22 AM</a:t>
+              <a:t>8/16/2021 7:42 PM</a:t>
             </a:fld>
             <a:endParaRPr lang="en-US" dirty="0"/>
           </a:p>
@@ -2631,7 +2631,7 @@
           <a:p>
             <a:fld id="{B16574EE-8191-4BCC-ABE6-D00A4F4D7690}" type="datetime8">
               <a:rPr lang="en-US" smtClean="0"/>
-              <a:t>8/16/2021 2:22 AM</a:t>
+              <a:t>8/16/2021 7:42 PM</a:t>
             </a:fld>
             <a:endParaRPr lang="en-US" dirty="0"/>
           </a:p>
@@ -2806,7 +2806,7 @@
           <a:p>
             <a:fld id="{2D0AF0B6-AF0D-4EDB-B60E-27694EB68262}" type="datetime8">
               <a:rPr lang="en-US" smtClean="0"/>
-              <a:t>8/16/2021 2:22 AM</a:t>
+              <a:t>8/16/2021 7:42 PM</a:t>
             </a:fld>
             <a:endParaRPr lang="en-US" dirty="0"/>
           </a:p>
@@ -2971,7 +2971,7 @@
           <a:p>
             <a:fld id="{72E0C910-0166-48E0-B8EF-5071277A02A8}" type="datetime8">
               <a:rPr lang="en-US" smtClean="0"/>
-              <a:t>8/16/2021 2:22 AM</a:t>
+              <a:t>8/16/2021 7:42 PM</a:t>
             </a:fld>
             <a:endParaRPr lang="en-US" dirty="0"/>
           </a:p>
@@ -3146,7 +3146,7 @@
           <a:p>
             <a:fld id="{2D0AF0B6-AF0D-4EDB-B60E-27694EB68262}" type="datetime8">
               <a:rPr lang="en-US" smtClean="0"/>
-              <a:t>8/16/2021 2:22 AM</a:t>
+              <a:t>8/16/2021 7:42 PM</a:t>
             </a:fld>
             <a:endParaRPr lang="en-US" dirty="0"/>
           </a:p>
@@ -3321,7 +3321,7 @@
           <a:p>
             <a:fld id="{2D0AF0B6-AF0D-4EDB-B60E-27694EB68262}" type="datetime8">
               <a:rPr lang="en-US" smtClean="0"/>
-              <a:t>8/16/2021 2:22 AM</a:t>
+              <a:t>8/16/2021 7:42 PM</a:t>
             </a:fld>
             <a:endParaRPr lang="en-US" dirty="0"/>
           </a:p>
@@ -3455,7 +3455,7 @@
           <a:p>
             <a:fld id="{06C18626-F474-479E-937A-543AA55347B1}" type="datetime8">
               <a:rPr lang="en-US" smtClean="0"/>
-              <a:t>8/16/2021 2:22 AM</a:t>
+              <a:t>8/16/2021 7:42 PM</a:t>
             </a:fld>
             <a:endParaRPr lang="en-US" dirty="0"/>
           </a:p>
@@ -3654,7 +3654,7 @@
           <a:p>
             <a:fld id="{06C18626-F474-479E-937A-543AA55347B1}" type="datetime8">
               <a:rPr lang="en-US" smtClean="0"/>
-              <a:t>8/16/2021 2:22 AM</a:t>
+              <a:t>8/16/2021 7:42 PM</a:t>
             </a:fld>
             <a:endParaRPr lang="en-US" dirty="0"/>
           </a:p>
@@ -3884,7 +3884,7 @@
           <a:p>
             <a:fld id="{B16574EE-8191-4BCC-ABE6-D00A4F4D7690}" type="datetime8">
               <a:rPr lang="en-US" smtClean="0"/>
-              <a:t>8/16/2021 2:22 AM</a:t>
+              <a:t>8/16/2021 7:42 PM</a:t>
             </a:fld>
             <a:endParaRPr lang="en-US" dirty="0"/>
           </a:p>
@@ -4037,7 +4037,7 @@
           <a:p>
             <a:fld id="{06C18626-F474-479E-937A-543AA55347B1}" type="datetime8">
               <a:rPr lang="en-US" smtClean="0"/>
-              <a:t>8/16/2021 2:22 AM</a:t>
+              <a:t>8/16/2021 7:42 PM</a:t>
             </a:fld>
             <a:endParaRPr lang="en-US" dirty="0"/>
           </a:p>
@@ -4236,7 +4236,7 @@
           <a:p>
             <a:fld id="{06C18626-F474-479E-937A-543AA55347B1}" type="datetime8">
               <a:rPr lang="en-US" smtClean="0"/>
-              <a:t>8/16/2021 2:22 AM</a:t>
+              <a:t>8/16/2021 7:42 PM</a:t>
             </a:fld>
             <a:endParaRPr lang="en-US" dirty="0"/>
           </a:p>
@@ -4466,7 +4466,7 @@
           <a:p>
             <a:fld id="{B16574EE-8191-4BCC-ABE6-D00A4F4D7690}" type="datetime8">
               <a:rPr lang="en-US" smtClean="0"/>
-              <a:t>8/16/2021 2:22 AM</a:t>
+              <a:t>8/16/2021 7:42 PM</a:t>
             </a:fld>
             <a:endParaRPr lang="en-US" dirty="0"/>
           </a:p>
@@ -4603,7 +4603,7 @@
           <a:p>
             <a:fld id="{06C18626-F474-479E-937A-543AA55347B1}" type="datetime8">
               <a:rPr lang="en-US" smtClean="0"/>
-              <a:t>8/16/2021 2:22 AM</a:t>
+              <a:t>8/16/2021 7:42 PM</a:t>
             </a:fld>
             <a:endParaRPr lang="en-US" dirty="0"/>
           </a:p>
@@ -4805,7 +4805,7 @@
           <a:p>
             <a:fld id="{06C18626-F474-479E-937A-543AA55347B1}" type="datetime8">
               <a:rPr lang="en-US" smtClean="0"/>
-              <a:t>8/16/2021 2:33 AM</a:t>
+              <a:t>8/16/2021 7:42 PM</a:t>
             </a:fld>
             <a:endParaRPr lang="en-US" dirty="0"/>
           </a:p>
@@ -5035,7 +5035,7 @@
           <a:p>
             <a:fld id="{72E0C910-0166-48E0-B8EF-5071277A02A8}" type="datetime8">
               <a:rPr lang="en-US" smtClean="0"/>
-              <a:t>8/16/2021 2:22 AM</a:t>
+              <a:t>8/16/2021 7:42 PM</a:t>
             </a:fld>
             <a:endParaRPr lang="en-US" dirty="0"/>
           </a:p>
@@ -5200,7 +5200,7 @@
           <a:p>
             <a:fld id="{801BB6DB-292D-4F55-8FEB-A2186E983E2E}" type="datetime8">
               <a:rPr lang="en-US" smtClean="0"/>
-              <a:t>8/16/2021 2:22 AM</a:t>
+              <a:t>8/16/2021 7:42 PM</a:t>
             </a:fld>
             <a:endParaRPr lang="en-US" dirty="0"/>
           </a:p>
@@ -5332,7 +5332,7 @@
           <a:p>
             <a:fld id="{D44C3489-8257-4E60-994D-6A5CEE67ED71}" type="datetime8">
               <a:rPr lang="en-US" smtClean="0"/>
-              <a:t>8/16/2021 2:22 AM</a:t>
+              <a:t>8/16/2021 7:42 PM</a:t>
             </a:fld>
             <a:endParaRPr lang="en-US" dirty="0"/>
           </a:p>
@@ -5530,7 +5530,7 @@
           <a:p>
             <a:fld id="{72E0C910-0166-48E0-B8EF-5071277A02A8}" type="datetime8">
               <a:rPr lang="en-US" smtClean="0"/>
-              <a:t>8/16/2021 2:22 AM</a:t>
+              <a:t>8/16/2021 7:42 PM</a:t>
             </a:fld>
             <a:endParaRPr lang="en-US" dirty="0"/>
           </a:p>
@@ -5695,7 +5695,7 @@
           <a:p>
             <a:fld id="{72E0C910-0166-48E0-B8EF-5071277A02A8}" type="datetime8">
               <a:rPr lang="en-US" smtClean="0"/>
-              <a:t>8/16/2021 2:22 AM</a:t>
+              <a:t>8/16/2021 7:42 PM</a:t>
             </a:fld>
             <a:endParaRPr lang="en-US" dirty="0"/>
           </a:p>
@@ -5860,7 +5860,7 @@
           <a:p>
             <a:fld id="{9427A7F7-BB1E-479D-AFAA-B52F4D0C99F2}" type="datetime8">
               <a:rPr lang="en-US" smtClean="0"/>
-              <a:t>8/16/2021 2:22 AM</a:t>
+              <a:t>8/16/2021 7:42 PM</a:t>
             </a:fld>
             <a:endParaRPr lang="en-US" dirty="0"/>
           </a:p>
@@ -6025,7 +6025,7 @@
           <a:p>
             <a:fld id="{72E0C910-0166-48E0-B8EF-5071277A02A8}" type="datetime8">
               <a:rPr lang="en-US" smtClean="0"/>
-              <a:t>8/16/2021 2:22 AM</a:t>
+              <a:t>8/16/2021 7:42 PM</a:t>
             </a:fld>
             <a:endParaRPr lang="en-US" dirty="0"/>
           </a:p>
@@ -6190,7 +6190,7 @@
           <a:p>
             <a:fld id="{9427A7F7-BB1E-479D-AFAA-B52F4D0C99F2}" type="datetime8">
               <a:rPr lang="en-US" smtClean="0"/>
-              <a:t>8/16/2021 2:22 AM</a:t>
+              <a:t>8/16/2021 7:42 PM</a:t>
             </a:fld>
             <a:endParaRPr lang="en-US" dirty="0"/>
           </a:p>
@@ -6355,7 +6355,7 @@
           <a:p>
             <a:fld id="{2D0AF0B6-AF0D-4EDB-B60E-27694EB68262}" type="datetime8">
               <a:rPr lang="en-US" smtClean="0"/>
-              <a:t>8/16/2021 2:22 AM</a:t>
+              <a:t>8/16/2021 7:51 PM</a:t>
             </a:fld>
             <a:endParaRPr lang="en-US" dirty="0"/>
           </a:p>
@@ -22690,13 +22690,13 @@
   <p:clrMapOvr>
     <a:masterClrMapping/>
   </p:clrMapOvr>
-  <mc:AlternateContent xmlns:mc="http://schemas.openxmlformats.org/markup-compatibility/2006">
-    <mc:Choice xmlns:p14="http://schemas.microsoft.com/office/powerpoint/2010/main" Requires="p14">
+  <mc:AlternateContent xmlns:mc="http://schemas.openxmlformats.org/markup-compatibility/2006" xmlns:p14="http://schemas.microsoft.com/office/powerpoint/2010/main">
+    <mc:Choice Requires="p14">
       <p:transition p14:dur="400">
         <p:fade/>
       </p:transition>
     </mc:Choice>
-    <mc:Fallback>
+    <mc:Fallback xmlns="">
       <p:transition>
         <p:fade/>
       </p:transition>
@@ -23324,13 +23324,13 @@
   <p:clrMapOvr>
     <a:masterClrMapping/>
   </p:clrMapOvr>
-  <mc:AlternateContent xmlns:mc="http://schemas.openxmlformats.org/markup-compatibility/2006">
-    <mc:Choice xmlns:p14="http://schemas.microsoft.com/office/powerpoint/2010/main" Requires="p14">
+  <mc:AlternateContent xmlns:mc="http://schemas.openxmlformats.org/markup-compatibility/2006" xmlns:p14="http://schemas.microsoft.com/office/powerpoint/2010/main">
+    <mc:Choice Requires="p14">
       <p:transition p14:dur="400">
         <p:fade/>
       </p:transition>
     </mc:Choice>
-    <mc:Fallback>
+    <mc:Fallback xmlns="">
       <p:transition>
         <p:fade/>
       </p:transition>
@@ -24232,13 +24232,13 @@
   <p:clrMapOvr>
     <a:masterClrMapping/>
   </p:clrMapOvr>
-  <mc:AlternateContent xmlns:mc="http://schemas.openxmlformats.org/markup-compatibility/2006">
-    <mc:Choice xmlns:p14="http://schemas.microsoft.com/office/powerpoint/2010/main" Requires="p14">
+  <mc:AlternateContent xmlns:mc="http://schemas.openxmlformats.org/markup-compatibility/2006" xmlns:p14="http://schemas.microsoft.com/office/powerpoint/2010/main">
+    <mc:Choice Requires="p14">
       <p:transition p14:dur="400">
         <p:fade/>
       </p:transition>
     </mc:Choice>
-    <mc:Fallback>
+    <mc:Fallback xmlns="">
       <p:transition>
         <p:fade/>
       </p:transition>
@@ -25333,13 +25333,13 @@
   <p:clrMapOvr>
     <a:masterClrMapping/>
   </p:clrMapOvr>
-  <mc:AlternateContent xmlns:mc="http://schemas.openxmlformats.org/markup-compatibility/2006">
-    <mc:Choice xmlns:p14="http://schemas.microsoft.com/office/powerpoint/2010/main" Requires="p14">
+  <mc:AlternateContent xmlns:mc="http://schemas.openxmlformats.org/markup-compatibility/2006" xmlns:p14="http://schemas.microsoft.com/office/powerpoint/2010/main">
+    <mc:Choice Requires="p14">
       <p:transition p14:dur="400">
         <p:fade/>
       </p:transition>
     </mc:Choice>
-    <mc:Fallback>
+    <mc:Fallback xmlns="">
       <p:transition>
         <p:fade/>
       </p:transition>
@@ -25965,13 +25965,13 @@
   <p:clrMapOvr>
     <a:masterClrMapping/>
   </p:clrMapOvr>
-  <mc:AlternateContent xmlns:mc="http://schemas.openxmlformats.org/markup-compatibility/2006">
-    <mc:Choice xmlns:p14="http://schemas.microsoft.com/office/powerpoint/2010/main" Requires="p14">
+  <mc:AlternateContent xmlns:mc="http://schemas.openxmlformats.org/markup-compatibility/2006" xmlns:p14="http://schemas.microsoft.com/office/powerpoint/2010/main">
+    <mc:Choice Requires="p14">
       <p:transition p14:dur="400">
         <p:fade/>
       </p:transition>
     </mc:Choice>
-    <mc:Fallback>
+    <mc:Fallback xmlns="">
       <p:transition>
         <p:fade/>
       </p:transition>
@@ -26858,13 +26858,13 @@
   <p:clrMapOvr>
     <a:masterClrMapping/>
   </p:clrMapOvr>
-  <mc:AlternateContent xmlns:mc="http://schemas.openxmlformats.org/markup-compatibility/2006">
-    <mc:Choice xmlns:p14="http://schemas.microsoft.com/office/powerpoint/2010/main" Requires="p14">
+  <mc:AlternateContent xmlns:mc="http://schemas.openxmlformats.org/markup-compatibility/2006" xmlns:p14="http://schemas.microsoft.com/office/powerpoint/2010/main">
+    <mc:Choice Requires="p14">
       <p:transition p14:dur="400">
         <p:fade/>
       </p:transition>
     </mc:Choice>
-    <mc:Fallback>
+    <mc:Fallback xmlns="">
       <p:transition>
         <p:fade/>
       </p:transition>
@@ -27451,13 +27451,13 @@
   <p:clrMapOvr>
     <a:masterClrMapping/>
   </p:clrMapOvr>
-  <mc:AlternateContent xmlns:mc="http://schemas.openxmlformats.org/markup-compatibility/2006">
-    <mc:Choice xmlns:p14="http://schemas.microsoft.com/office/powerpoint/2010/main" Requires="p14">
+  <mc:AlternateContent xmlns:mc="http://schemas.openxmlformats.org/markup-compatibility/2006" xmlns:p14="http://schemas.microsoft.com/office/powerpoint/2010/main">
+    <mc:Choice Requires="p14">
       <p:transition p14:dur="400">
         <p:fade/>
       </p:transition>
     </mc:Choice>
-    <mc:Fallback>
+    <mc:Fallback xmlns="">
       <p:transition>
         <p:fade/>
       </p:transition>
@@ -29676,13 +29676,13 @@
   <p:clrMapOvr>
     <a:masterClrMapping/>
   </p:clrMapOvr>
-  <mc:AlternateContent xmlns:mc="http://schemas.openxmlformats.org/markup-compatibility/2006">
-    <mc:Choice xmlns:p14="http://schemas.microsoft.com/office/powerpoint/2010/main" Requires="p14">
+  <mc:AlternateContent xmlns:mc="http://schemas.openxmlformats.org/markup-compatibility/2006" xmlns:p14="http://schemas.microsoft.com/office/powerpoint/2010/main">
+    <mc:Choice Requires="p14">
       <p:transition p14:dur="400">
         <p:fade/>
       </p:transition>
     </mc:Choice>
-    <mc:Fallback>
+    <mc:Fallback xmlns="">
       <p:transition>
         <p:fade/>
       </p:transition>
@@ -33407,13 +33407,13 @@
   <p:clrMapOvr>
     <a:masterClrMapping/>
   </p:clrMapOvr>
-  <mc:AlternateContent xmlns:mc="http://schemas.openxmlformats.org/markup-compatibility/2006">
-    <mc:Choice xmlns:p14="http://schemas.microsoft.com/office/powerpoint/2010/main" Requires="p14">
+  <mc:AlternateContent xmlns:mc="http://schemas.openxmlformats.org/markup-compatibility/2006" xmlns:p14="http://schemas.microsoft.com/office/powerpoint/2010/main">
+    <mc:Choice Requires="p14">
       <p:transition p14:dur="400">
         <p:fade/>
       </p:transition>
     </mc:Choice>
-    <mc:Fallback>
+    <mc:Fallback xmlns="">
       <p:transition>
         <p:fade/>
       </p:transition>
@@ -33735,13 +33735,13 @@
   <p:clrMapOvr>
     <a:masterClrMapping/>
   </p:clrMapOvr>
-  <mc:AlternateContent xmlns:mc="http://schemas.openxmlformats.org/markup-compatibility/2006">
-    <mc:Choice xmlns:p14="http://schemas.microsoft.com/office/powerpoint/2010/main" Requires="p14">
+  <mc:AlternateContent xmlns:mc="http://schemas.openxmlformats.org/markup-compatibility/2006" xmlns:p14="http://schemas.microsoft.com/office/powerpoint/2010/main">
+    <mc:Choice Requires="p14">
       <p:transition p14:dur="400">
         <p:fade/>
       </p:transition>
     </mc:Choice>
-    <mc:Fallback>
+    <mc:Fallback xmlns="">
       <p:transition>
         <p:fade/>
       </p:transition>
@@ -34725,13 +34725,13 @@
   <p:clrMapOvr>
     <a:masterClrMapping/>
   </p:clrMapOvr>
-  <mc:AlternateContent xmlns:mc="http://schemas.openxmlformats.org/markup-compatibility/2006">
-    <mc:Choice xmlns:p14="http://schemas.microsoft.com/office/powerpoint/2010/main" Requires="p14">
+  <mc:AlternateContent xmlns:mc="http://schemas.openxmlformats.org/markup-compatibility/2006" xmlns:p14="http://schemas.microsoft.com/office/powerpoint/2010/main">
+    <mc:Choice Requires="p14">
       <p:transition p14:dur="400">
         <p:fade/>
       </p:transition>
     </mc:Choice>
-    <mc:Fallback>
+    <mc:Fallback xmlns="">
       <p:transition>
         <p:fade/>
       </p:transition>
@@ -35062,13 +35062,13 @@
   <p:clrMapOvr>
     <a:masterClrMapping/>
   </p:clrMapOvr>
-  <mc:AlternateContent xmlns:mc="http://schemas.openxmlformats.org/markup-compatibility/2006">
-    <mc:Choice xmlns:p14="http://schemas.microsoft.com/office/powerpoint/2010/main" Requires="p14">
+  <mc:AlternateContent xmlns:mc="http://schemas.openxmlformats.org/markup-compatibility/2006" xmlns:p14="http://schemas.microsoft.com/office/powerpoint/2010/main">
+    <mc:Choice Requires="p14">
       <p:transition p14:dur="400">
         <p:fade/>
       </p:transition>
     </mc:Choice>
-    <mc:Fallback>
+    <mc:Fallback xmlns="">
       <p:transition>
         <p:fade/>
       </p:transition>
@@ -35762,13 +35762,13 @@
   <p:clrMapOvr>
     <a:masterClrMapping/>
   </p:clrMapOvr>
-  <mc:AlternateContent xmlns:mc="http://schemas.openxmlformats.org/markup-compatibility/2006">
-    <mc:Choice xmlns:p14="http://schemas.microsoft.com/office/powerpoint/2010/main" Requires="p14">
+  <mc:AlternateContent xmlns:mc="http://schemas.openxmlformats.org/markup-compatibility/2006" xmlns:p14="http://schemas.microsoft.com/office/powerpoint/2010/main">
+    <mc:Choice Requires="p14">
       <p:transition p14:dur="400">
         <p:fade/>
       </p:transition>
     </mc:Choice>
-    <mc:Fallback>
+    <mc:Fallback xmlns="">
       <p:transition>
         <p:fade/>
       </p:transition>
@@ -36176,13 +36176,13 @@
   <p:clrMapOvr>
     <a:masterClrMapping/>
   </p:clrMapOvr>
-  <mc:AlternateContent xmlns:mc="http://schemas.openxmlformats.org/markup-compatibility/2006">
-    <mc:Choice xmlns:p14="http://schemas.microsoft.com/office/powerpoint/2010/main" Requires="p14">
+  <mc:AlternateContent xmlns:mc="http://schemas.openxmlformats.org/markup-compatibility/2006" xmlns:p14="http://schemas.microsoft.com/office/powerpoint/2010/main">
+    <mc:Choice Requires="p14">
       <p:transition p14:dur="400">
         <p:fade/>
       </p:transition>
     </mc:Choice>
-    <mc:Fallback>
+    <mc:Fallback xmlns="">
       <p:transition>
         <p:fade/>
       </p:transition>
@@ -36333,13 +36333,13 @@
   <p:clrMapOvr>
     <a:masterClrMapping/>
   </p:clrMapOvr>
-  <mc:AlternateContent xmlns:mc="http://schemas.openxmlformats.org/markup-compatibility/2006">
-    <mc:Choice xmlns:p14="http://schemas.microsoft.com/office/powerpoint/2010/main" Requires="p14">
+  <mc:AlternateContent xmlns:mc="http://schemas.openxmlformats.org/markup-compatibility/2006" xmlns:p14="http://schemas.microsoft.com/office/powerpoint/2010/main">
+    <mc:Choice Requires="p14">
       <p:transition p14:dur="400">
         <p:fade/>
       </p:transition>
     </mc:Choice>
-    <mc:Fallback>
+    <mc:Fallback xmlns="">
       <p:transition>
         <p:fade/>
       </p:transition>
@@ -36741,13 +36741,13 @@
   <p:clrMapOvr>
     <a:masterClrMapping/>
   </p:clrMapOvr>
-  <mc:AlternateContent xmlns:mc="http://schemas.openxmlformats.org/markup-compatibility/2006">
-    <mc:Choice xmlns:p14="http://schemas.microsoft.com/office/powerpoint/2010/main" Requires="p14">
+  <mc:AlternateContent xmlns:mc="http://schemas.openxmlformats.org/markup-compatibility/2006" xmlns:p14="http://schemas.microsoft.com/office/powerpoint/2010/main">
+    <mc:Choice Requires="p14">
       <p:transition p14:dur="400">
         <p:fade/>
       </p:transition>
     </mc:Choice>
-    <mc:Fallback>
+    <mc:Fallback xmlns="">
       <p:transition>
         <p:fade/>
       </p:transition>
@@ -36810,13 +36810,13 @@
   <p:clrMapOvr>
     <a:masterClrMapping/>
   </p:clrMapOvr>
-  <mc:AlternateContent xmlns:mc="http://schemas.openxmlformats.org/markup-compatibility/2006">
-    <mc:Choice xmlns:p14="http://schemas.microsoft.com/office/powerpoint/2010/main" Requires="p14">
+  <mc:AlternateContent xmlns:mc="http://schemas.openxmlformats.org/markup-compatibility/2006" xmlns:p14="http://schemas.microsoft.com/office/powerpoint/2010/main">
+    <mc:Choice Requires="p14">
       <p:transition p14:dur="400">
         <p:fade/>
       </p:transition>
     </mc:Choice>
-    <mc:Fallback>
+    <mc:Fallback xmlns="">
       <p:transition>
         <p:fade/>
       </p:transition>
@@ -36909,13 +36909,13 @@
   <p:clrMapOvr>
     <a:masterClrMapping/>
   </p:clrMapOvr>
-  <mc:AlternateContent xmlns:mc="http://schemas.openxmlformats.org/markup-compatibility/2006">
-    <mc:Choice xmlns:p14="http://schemas.microsoft.com/office/powerpoint/2010/main" Requires="p14">
+  <mc:AlternateContent xmlns:mc="http://schemas.openxmlformats.org/markup-compatibility/2006" xmlns:p14="http://schemas.microsoft.com/office/powerpoint/2010/main">
+    <mc:Choice Requires="p14">
       <p:transition p14:dur="400">
         <p:fade/>
       </p:transition>
     </mc:Choice>
-    <mc:Fallback>
+    <mc:Fallback xmlns="">
       <p:transition>
         <p:fade/>
       </p:transition>
@@ -37009,13 +37009,13 @@
   <p:clrMapOvr>
     <a:masterClrMapping/>
   </p:clrMapOvr>
-  <mc:AlternateContent xmlns:mc="http://schemas.openxmlformats.org/markup-compatibility/2006">
-    <mc:Choice xmlns:p14="http://schemas.microsoft.com/office/powerpoint/2010/main" Requires="p14">
+  <mc:AlternateContent xmlns:mc="http://schemas.openxmlformats.org/markup-compatibility/2006" xmlns:p14="http://schemas.microsoft.com/office/powerpoint/2010/main">
+    <mc:Choice Requires="p14">
       <p:transition p14:dur="400">
         <p:fade/>
       </p:transition>
     </mc:Choice>
-    <mc:Fallback>
+    <mc:Fallback xmlns="">
       <p:transition>
         <p:fade/>
       </p:transition>
@@ -37078,13 +37078,13 @@
   <p:clrMapOvr>
     <a:masterClrMapping/>
   </p:clrMapOvr>
-  <mc:AlternateContent xmlns:mc="http://schemas.openxmlformats.org/markup-compatibility/2006">
-    <mc:Choice xmlns:p14="http://schemas.microsoft.com/office/powerpoint/2010/main" Requires="p14">
+  <mc:AlternateContent xmlns:mc="http://schemas.openxmlformats.org/markup-compatibility/2006" xmlns:p14="http://schemas.microsoft.com/office/powerpoint/2010/main">
+    <mc:Choice Requires="p14">
       <p:transition p14:dur="400">
         <p:fade/>
       </p:transition>
     </mc:Choice>
-    <mc:Fallback>
+    <mc:Fallback xmlns="">
       <p:transition>
         <p:fade/>
       </p:transition>
@@ -37536,13 +37536,13 @@
   <p:clrMapOvr>
     <a:masterClrMapping/>
   </p:clrMapOvr>
-  <mc:AlternateContent xmlns:mc="http://schemas.openxmlformats.org/markup-compatibility/2006">
-    <mc:Choice xmlns:p14="http://schemas.microsoft.com/office/powerpoint/2010/main" Requires="p14">
+  <mc:AlternateContent xmlns:mc="http://schemas.openxmlformats.org/markup-compatibility/2006" xmlns:p14="http://schemas.microsoft.com/office/powerpoint/2010/main">
+    <mc:Choice Requires="p14">
       <p:transition p14:dur="400">
         <p:fade/>
       </p:transition>
     </mc:Choice>
-    <mc:Fallback>
+    <mc:Fallback xmlns="">
       <p:transition>
         <p:fade/>
       </p:transition>
@@ -39695,13 +39695,13 @@
   <p:clrMapOvr>
     <a:masterClrMapping/>
   </p:clrMapOvr>
-  <mc:AlternateContent xmlns:mc="http://schemas.openxmlformats.org/markup-compatibility/2006">
-    <mc:Choice xmlns:p14="http://schemas.microsoft.com/office/powerpoint/2010/main" Requires="p14">
+  <mc:AlternateContent xmlns:mc="http://schemas.openxmlformats.org/markup-compatibility/2006" xmlns:p14="http://schemas.microsoft.com/office/powerpoint/2010/main">
+    <mc:Choice Requires="p14">
       <p:transition p14:dur="400">
         <p:fade/>
       </p:transition>
     </mc:Choice>
-    <mc:Fallback>
+    <mc:Fallback xmlns="">
       <p:transition>
         <p:fade/>
       </p:transition>
@@ -40062,13 +40062,13 @@
   <p:clrMapOvr>
     <a:masterClrMapping/>
   </p:clrMapOvr>
-  <mc:AlternateContent xmlns:mc="http://schemas.openxmlformats.org/markup-compatibility/2006">
-    <mc:Choice xmlns:p14="http://schemas.microsoft.com/office/powerpoint/2010/main" Requires="p14">
+  <mc:AlternateContent xmlns:mc="http://schemas.openxmlformats.org/markup-compatibility/2006" xmlns:p14="http://schemas.microsoft.com/office/powerpoint/2010/main">
+    <mc:Choice Requires="p14">
       <p:transition p14:dur="400">
         <p:fade/>
       </p:transition>
     </mc:Choice>
-    <mc:Fallback>
+    <mc:Fallback xmlns="">
       <p:transition>
         <p:fade/>
       </p:transition>
@@ -40126,13 +40126,13 @@
   <p:clrMapOvr>
     <a:masterClrMapping/>
   </p:clrMapOvr>
-  <mc:AlternateContent xmlns:mc="http://schemas.openxmlformats.org/markup-compatibility/2006">
-    <mc:Choice xmlns:p14="http://schemas.microsoft.com/office/powerpoint/2010/main" Requires="p14">
+  <mc:AlternateContent xmlns:mc="http://schemas.openxmlformats.org/markup-compatibility/2006" xmlns:p14="http://schemas.microsoft.com/office/powerpoint/2010/main">
+    <mc:Choice Requires="p14">
       <p:transition p14:dur="400">
         <p:fade/>
       </p:transition>
     </mc:Choice>
-    <mc:Fallback>
+    <mc:Fallback xmlns="">
       <p:transition>
         <p:fade/>
       </p:transition>
@@ -40253,13 +40253,13 @@
   <p:clrMapOvr>
     <a:masterClrMapping/>
   </p:clrMapOvr>
-  <mc:AlternateContent xmlns:mc="http://schemas.openxmlformats.org/markup-compatibility/2006">
-    <mc:Choice xmlns:p14="http://schemas.microsoft.com/office/powerpoint/2010/main" Requires="p14">
+  <mc:AlternateContent xmlns:mc="http://schemas.openxmlformats.org/markup-compatibility/2006" xmlns:p14="http://schemas.microsoft.com/office/powerpoint/2010/main">
+    <mc:Choice Requires="p14">
       <p:transition p14:dur="400">
         <p:fade/>
       </p:transition>
     </mc:Choice>
-    <mc:Fallback>
+    <mc:Fallback xmlns="">
       <p:transition>
         <p:fade/>
       </p:transition>
@@ -40829,13 +40829,13 @@
   <p:clrMapOvr>
     <a:masterClrMapping/>
   </p:clrMapOvr>
-  <mc:AlternateContent xmlns:mc="http://schemas.openxmlformats.org/markup-compatibility/2006">
-    <mc:Choice xmlns:p14="http://schemas.microsoft.com/office/powerpoint/2010/main" Requires="p14">
+  <mc:AlternateContent xmlns:mc="http://schemas.openxmlformats.org/markup-compatibility/2006" xmlns:p14="http://schemas.microsoft.com/office/powerpoint/2010/main">
+    <mc:Choice Requires="p14">
       <p:transition p14:dur="400">
         <p:fade/>
       </p:transition>
     </mc:Choice>
-    <mc:Fallback>
+    <mc:Fallback xmlns="">
       <p:transition>
         <p:fade/>
       </p:transition>
@@ -41789,13 +41789,13 @@
   <p:clrMapOvr>
     <a:masterClrMapping/>
   </p:clrMapOvr>
-  <mc:AlternateContent xmlns:mc="http://schemas.openxmlformats.org/markup-compatibility/2006">
-    <mc:Choice xmlns:p14="http://schemas.microsoft.com/office/powerpoint/2010/main" Requires="p14">
+  <mc:AlternateContent xmlns:mc="http://schemas.openxmlformats.org/markup-compatibility/2006" xmlns:p14="http://schemas.microsoft.com/office/powerpoint/2010/main">
+    <mc:Choice Requires="p14">
       <p:transition p14:dur="400">
         <p:fade/>
       </p:transition>
     </mc:Choice>
-    <mc:Fallback>
+    <mc:Fallback xmlns="">
       <p:transition>
         <p:fade/>
       </p:transition>
@@ -41931,13 +41931,13 @@
   <p:clrMapOvr>
     <a:masterClrMapping/>
   </p:clrMapOvr>
-  <mc:AlternateContent xmlns:mc="http://schemas.openxmlformats.org/markup-compatibility/2006">
-    <mc:Choice xmlns:p14="http://schemas.microsoft.com/office/powerpoint/2010/main" Requires="p14">
+  <mc:AlternateContent xmlns:mc="http://schemas.openxmlformats.org/markup-compatibility/2006" xmlns:p14="http://schemas.microsoft.com/office/powerpoint/2010/main">
+    <mc:Choice Requires="p14">
       <p:transition p14:dur="400">
         <p:fade/>
       </p:transition>
     </mc:Choice>
-    <mc:Fallback>
+    <mc:Fallback xmlns="">
       <p:transition>
         <p:fade/>
       </p:transition>
@@ -42957,13 +42957,13 @@
   <p:clrMapOvr>
     <a:masterClrMapping/>
   </p:clrMapOvr>
-  <mc:AlternateContent xmlns:mc="http://schemas.openxmlformats.org/markup-compatibility/2006">
-    <mc:Choice xmlns:p14="http://schemas.microsoft.com/office/powerpoint/2010/main" Requires="p14">
+  <mc:AlternateContent xmlns:mc="http://schemas.openxmlformats.org/markup-compatibility/2006" xmlns:p14="http://schemas.microsoft.com/office/powerpoint/2010/main">
+    <mc:Choice Requires="p14">
       <p:transition p14:dur="400">
         <p:fade/>
       </p:transition>
     </mc:Choice>
-    <mc:Fallback>
+    <mc:Fallback xmlns="">
       <p:transition>
         <p:fade/>
       </p:transition>
@@ -44728,13 +44728,13 @@
   <p:clrMapOvr>
     <a:masterClrMapping/>
   </p:clrMapOvr>
-  <mc:AlternateContent xmlns:mc="http://schemas.openxmlformats.org/markup-compatibility/2006">
-    <mc:Choice xmlns:p14="http://schemas.microsoft.com/office/powerpoint/2010/main" Requires="p14">
+  <mc:AlternateContent xmlns:mc="http://schemas.openxmlformats.org/markup-compatibility/2006" xmlns:p14="http://schemas.microsoft.com/office/powerpoint/2010/main">
+    <mc:Choice Requires="p14">
       <p:transition p14:dur="400">
         <p:fade/>
       </p:transition>
     </mc:Choice>
-    <mc:Fallback>
+    <mc:Fallback xmlns="">
       <p:transition>
         <p:fade/>
       </p:transition>
@@ -45331,6 +45331,42 @@
           </a:p>
         </p:txBody>
       </p:sp>
+      <p:pic>
+        <p:nvPicPr>
+          <p:cNvPr id="6" name="Graphic 5">
+            <a:extLst>
+              <a:ext uri="{FF2B5EF4-FFF2-40B4-BE49-F238E27FC236}">
+                <a16:creationId xmlns:a16="http://schemas.microsoft.com/office/drawing/2014/main" id="{DCFEC631-5B4E-4863-90A5-C69E0B8DF4BB}"/>
+              </a:ext>
+            </a:extLst>
+          </p:cNvPr>
+          <p:cNvPicPr>
+            <a:picLocks noChangeAspect="1"/>
+          </p:cNvPicPr>
+          <p:nvPr/>
+        </p:nvPicPr>
+        <p:blipFill>
+          <a:blip r:embed="rId3">
+            <a:extLst>
+              <a:ext uri="{96DAC541-7B7A-43D3-8B79-37D633B846F1}">
+                <asvg:svgBlip xmlns:asvg="http://schemas.microsoft.com/office/drawing/2016/SVG/main" r:embed="rId4"/>
+              </a:ext>
+            </a:extLst>
+          </a:blip>
+          <a:stretch>
+            <a:fillRect/>
+          </a:stretch>
+        </p:blipFill>
+        <p:spPr>
+          <a:xfrm>
+            <a:off x="586390" y="3543111"/>
+            <a:ext cx="1251682" cy="1251682"/>
+          </a:xfrm>
+          <a:prstGeom prst="rect">
+            <a:avLst/>
+          </a:prstGeom>
+        </p:spPr>
+      </p:pic>
     </p:spTree>
     <p:extLst>
       <p:ext uri="{BB962C8B-B14F-4D97-AF65-F5344CB8AC3E}">
@@ -45341,13 +45377,13 @@
   <p:clrMapOvr>
     <a:masterClrMapping/>
   </p:clrMapOvr>
-  <mc:AlternateContent xmlns:mc="http://schemas.openxmlformats.org/markup-compatibility/2006">
-    <mc:Choice xmlns:p14="http://schemas.microsoft.com/office/powerpoint/2010/main" Requires="p14">
+  <mc:AlternateContent xmlns:mc="http://schemas.openxmlformats.org/markup-compatibility/2006" xmlns:p14="http://schemas.microsoft.com/office/powerpoint/2010/main">
+    <mc:Choice Requires="p14">
       <p:transition p14:dur="400">
         <p:fade/>
       </p:transition>
     </mc:Choice>
-    <mc:Fallback>
+    <mc:Fallback xmlns="">
       <p:transition>
         <p:fade/>
       </p:transition>
@@ -46726,20 +46762,20 @@
 </file>
 
 <file path=customXml/item2.xml><?xml version="1.0" encoding="utf-8"?>
-<p:properties xmlns:p="http://schemas.microsoft.com/office/2006/metadata/properties" xmlns:xsi="http://www.w3.org/2001/XMLSchema-instance" xmlns:pc="http://schemas.microsoft.com/office/infopath/2007/PartnerControls">
-  <documentManagement>
-    <MediaServiceKeyPoints xmlns="6d3b3f7c-4b71-40c9-8fff-4f7fb96ddea0" xsi:nil="true"/>
-  </documentManagement>
-</p:properties>
-</file>
-
-<file path=customXml/item3.xml><?xml version="1.0" encoding="utf-8"?>
 <?mso-contentType ?>
 <FormTemplates xmlns="http://schemas.microsoft.com/sharepoint/v3/contenttype/forms">
   <Display>DocumentLibraryForm</Display>
   <Edit>DocumentLibraryForm</Edit>
   <New>DocumentLibraryForm</New>
 </FormTemplates>
+</file>
+
+<file path=customXml/item3.xml><?xml version="1.0" encoding="utf-8"?>
+<p:properties xmlns:p="http://schemas.microsoft.com/office/2006/metadata/properties" xmlns:xsi="http://www.w3.org/2001/XMLSchema-instance" xmlns:pc="http://schemas.microsoft.com/office/infopath/2007/PartnerControls">
+  <documentManagement>
+    <MediaServiceKeyPoints xmlns="6d3b3f7c-4b71-40c9-8fff-4f7fb96ddea0" xsi:nil="true"/>
+  </documentManagement>
+</p:properties>
 </file>
 
 <file path=customXml/itemProps1.xml><?xml version="1.0" encoding="utf-8"?>
@@ -46762,6 +46798,14 @@
 </file>
 
 <file path=customXml/itemProps2.xml><?xml version="1.0" encoding="utf-8"?>
+<ds:datastoreItem xmlns:ds="http://schemas.openxmlformats.org/officeDocument/2006/customXml" ds:itemID="{758FDAC0-319D-4A54-8D8E-1D42CB1F8004}">
+  <ds:schemaRefs>
+    <ds:schemaRef ds:uri="http://schemas.microsoft.com/sharepoint/v3/contenttype/forms"/>
+  </ds:schemaRefs>
+</ds:datastoreItem>
+</file>
+
+<file path=customXml/itemProps3.xml><?xml version="1.0" encoding="utf-8"?>
 <ds:datastoreItem xmlns:ds="http://schemas.openxmlformats.org/officeDocument/2006/customXml" ds:itemID="{F990F116-B58F-4255-B05B-DA3808E0E5C6}">
   <ds:schemaRefs>
     <ds:schemaRef ds:uri="http://schemas.microsoft.com/office/2006/documentManagement/types"/>
@@ -46777,12 +46821,4 @@
     <ds:schemaRef ds:uri="6d3b3f7c-4b71-40c9-8fff-4f7fb96ddea0"/>
   </ds:schemaRefs>
 </ds:datastoreItem>
-</file>
-
-<file path=customXml/itemProps3.xml><?xml version="1.0" encoding="utf-8"?>
-<ds:datastoreItem xmlns:ds="http://schemas.openxmlformats.org/officeDocument/2006/customXml" ds:itemID="{758FDAC0-319D-4A54-8D8E-1D42CB1F8004}">
-  <ds:schemaRefs>
-    <ds:schemaRef ds:uri="http://schemas.microsoft.com/sharepoint/v3/contenttype/forms"/>
-  </ds:schemaRefs>
-</ds:datastoreItem>
 </file>